--- a/LBPFaceRecognition/Presentation.pptx
+++ b/LBPFaceRecognition/Presentation.pptx
@@ -9,8 +9,13 @@
     <p:sldId id="257" r:id="rId3"/>
     <p:sldId id="258" r:id="rId4"/>
     <p:sldId id="261" r:id="rId5"/>
-    <p:sldId id="259" r:id="rId6"/>
-    <p:sldId id="260" r:id="rId7"/>
+    <p:sldId id="266" r:id="rId6"/>
+    <p:sldId id="262" r:id="rId7"/>
+    <p:sldId id="264" r:id="rId8"/>
+    <p:sldId id="265" r:id="rId9"/>
+    <p:sldId id="259" r:id="rId10"/>
+    <p:sldId id="260" r:id="rId11"/>
+    <p:sldId id="263" r:id="rId12"/>
   </p:sldIdLst>
   <p:sldSz cx="9144000" cy="6858000" type="screen4x3"/>
   <p:notesSz cx="6858000" cy="9144000"/>
@@ -3507,6 +3512,354 @@
 </p:sld>
 </file>
 
+<file path=ppt/slides/slide10.xml><?xml version="1.0" encoding="utf-8"?>
+<p:sld xmlns:a="http://schemas.openxmlformats.org/drawingml/2006/main" xmlns:r="http://schemas.openxmlformats.org/officeDocument/2006/relationships" xmlns:p="http://schemas.openxmlformats.org/presentationml/2006/main">
+  <p:cSld>
+    <p:spTree>
+      <p:nvGrpSpPr>
+        <p:cNvPr id="1" name=""/>
+        <p:cNvGrpSpPr/>
+        <p:nvPr/>
+      </p:nvGrpSpPr>
+      <p:grpSpPr>
+        <a:xfrm>
+          <a:off x="0" y="0"/>
+          <a:ext cx="0" cy="0"/>
+          <a:chOff x="0" y="0"/>
+          <a:chExt cx="0" cy="0"/>
+        </a:xfrm>
+      </p:grpSpPr>
+      <p:sp>
+        <p:nvSpPr>
+          <p:cNvPr id="2" name="Title 1"/>
+          <p:cNvSpPr>
+            <a:spLocks noGrp="1"/>
+          </p:cNvSpPr>
+          <p:nvPr>
+            <p:ph type="title"/>
+          </p:nvPr>
+        </p:nvSpPr>
+        <p:spPr/>
+        <p:txBody>
+          <a:bodyPr/>
+          <a:lstStyle/>
+          <a:p>
+            <a:r>
+              <a:rPr lang="en-US" smtClean="0"/>
+              <a:t>Dataset</a:t>
+            </a:r>
+            <a:endParaRPr lang="en-US"/>
+          </a:p>
+        </p:txBody>
+      </p:sp>
+      <p:sp>
+        <p:nvSpPr>
+          <p:cNvPr id="3" name="Content Placeholder 2"/>
+          <p:cNvSpPr>
+            <a:spLocks noGrp="1"/>
+          </p:cNvSpPr>
+          <p:nvPr>
+            <p:ph idx="1"/>
+          </p:nvPr>
+        </p:nvSpPr>
+        <p:spPr>
+          <a:xfrm>
+            <a:off x="457200" y="1600201"/>
+            <a:ext cx="8229600" cy="914399"/>
+          </a:xfrm>
+        </p:spPr>
+        <p:txBody>
+          <a:bodyPr/>
+          <a:lstStyle/>
+          <a:p>
+            <a:r>
+              <a:rPr lang="en-US" sz="2800" smtClean="0"/>
+              <a:t>Subset </a:t>
+            </a:r>
+            <a:r>
+              <a:rPr lang="en-US" sz="2800"/>
+              <a:t>of the Frontal Face Dataset provided by Caltech </a:t>
+            </a:r>
+          </a:p>
+          <a:p>
+            <a:endParaRPr lang="en-US"/>
+          </a:p>
+        </p:txBody>
+      </p:sp>
+      <p:pic>
+        <p:nvPicPr>
+          <p:cNvPr id="1026" name="Picture 2"/>
+          <p:cNvPicPr>
+            <a:picLocks noChangeAspect="1" noChangeArrowheads="1"/>
+          </p:cNvPicPr>
+          <p:nvPr/>
+        </p:nvPicPr>
+        <p:blipFill>
+          <a:blip r:embed="rId2">
+            <a:extLst>
+              <a:ext uri="{28A0092B-C50C-407E-A947-70E740481C1C}">
+                <a14:useLocalDpi xmlns:a14="http://schemas.microsoft.com/office/drawing/2010/main" val="0"/>
+              </a:ext>
+            </a:extLst>
+          </a:blip>
+          <a:srcRect/>
+          <a:stretch>
+            <a:fillRect/>
+          </a:stretch>
+        </p:blipFill>
+        <p:spPr bwMode="auto">
+          <a:xfrm>
+            <a:off x="190500" y="2514600"/>
+            <a:ext cx="5524500" cy="3981450"/>
+          </a:xfrm>
+          <a:prstGeom prst="rect">
+            <a:avLst/>
+          </a:prstGeom>
+          <a:noFill/>
+          <a:ln>
+            <a:noFill/>
+          </a:ln>
+          <a:effectLst/>
+          <a:extLst>
+            <a:ext uri="{909E8E84-426E-40DD-AFC4-6F175D3DCCD1}">
+              <a14:hiddenFill xmlns:a14="http://schemas.microsoft.com/office/drawing/2010/main">
+                <a:solidFill>
+                  <a:schemeClr val="accent1"/>
+                </a:solidFill>
+              </a14:hiddenFill>
+            </a:ext>
+            <a:ext uri="{91240B29-F687-4F45-9708-019B960494DF}">
+              <a14:hiddenLine xmlns:a14="http://schemas.microsoft.com/office/drawing/2010/main" w="9525">
+                <a:solidFill>
+                  <a:schemeClr val="tx1"/>
+                </a:solidFill>
+                <a:miter lim="800000"/>
+                <a:headEnd/>
+                <a:tailEnd/>
+              </a14:hiddenLine>
+            </a:ext>
+            <a:ext uri="{AF507438-7753-43E0-B8FC-AC1667EBCBE1}">
+              <a14:hiddenEffects xmlns:a14="http://schemas.microsoft.com/office/drawing/2010/main">
+                <a:effectLst>
+                  <a:outerShdw dist="35921" dir="2700000" algn="ctr" rotWithShape="0">
+                    <a:schemeClr val="bg2"/>
+                  </a:outerShdw>
+                </a:effectLst>
+              </a14:hiddenEffects>
+            </a:ext>
+          </a:extLst>
+        </p:spPr>
+      </p:pic>
+      <p:sp>
+        <p:nvSpPr>
+          <p:cNvPr id="4" name="TextBox 3"/>
+          <p:cNvSpPr txBox="1"/>
+          <p:nvPr/>
+        </p:nvSpPr>
+        <p:spPr>
+          <a:xfrm>
+            <a:off x="5715000" y="2438400"/>
+            <a:ext cx="3124200" cy="3108543"/>
+          </a:xfrm>
+          <a:prstGeom prst="rect">
+            <a:avLst/>
+          </a:prstGeom>
+          <a:noFill/>
+        </p:spPr>
+        <p:txBody>
+          <a:bodyPr wrap="square" rtlCol="0">
+            <a:spAutoFit/>
+          </a:bodyPr>
+          <a:lstStyle/>
+          <a:p>
+            <a:r>
+              <a:rPr lang="en-US" sz="2800"/>
+              <a:t>54 images, 17 people, 896 x 592 pixels, under different lighting/expressions/backgrounds</a:t>
+            </a:r>
+          </a:p>
+          <a:p>
+            <a:endParaRPr lang="en-US" sz="2800"/>
+          </a:p>
+        </p:txBody>
+      </p:sp>
+    </p:spTree>
+    <p:extLst>
+      <p:ext uri="{BB962C8B-B14F-4D97-AF65-F5344CB8AC3E}">
+        <p14:creationId xmlns:p14="http://schemas.microsoft.com/office/powerpoint/2010/main" val="1066642514"/>
+      </p:ext>
+    </p:extLst>
+  </p:cSld>
+  <p:clrMapOvr>
+    <a:masterClrMapping/>
+  </p:clrMapOvr>
+</p:sld>
+</file>
+
+<file path=ppt/slides/slide11.xml><?xml version="1.0" encoding="utf-8"?>
+<p:sld xmlns:a="http://schemas.openxmlformats.org/drawingml/2006/main" xmlns:r="http://schemas.openxmlformats.org/officeDocument/2006/relationships" xmlns:p="http://schemas.openxmlformats.org/presentationml/2006/main">
+  <p:cSld>
+    <p:spTree>
+      <p:nvGrpSpPr>
+        <p:cNvPr id="1" name=""/>
+        <p:cNvGrpSpPr/>
+        <p:nvPr/>
+      </p:nvGrpSpPr>
+      <p:grpSpPr>
+        <a:xfrm>
+          <a:off x="0" y="0"/>
+          <a:ext cx="0" cy="0"/>
+          <a:chOff x="0" y="0"/>
+          <a:chExt cx="0" cy="0"/>
+        </a:xfrm>
+      </p:grpSpPr>
+      <p:sp>
+        <p:nvSpPr>
+          <p:cNvPr id="2" name="Title 1"/>
+          <p:cNvSpPr>
+            <a:spLocks noGrp="1"/>
+          </p:cNvSpPr>
+          <p:nvPr>
+            <p:ph type="title"/>
+          </p:nvPr>
+        </p:nvSpPr>
+        <p:spPr/>
+        <p:txBody>
+          <a:bodyPr/>
+          <a:lstStyle/>
+          <a:p>
+            <a:r>
+              <a:rPr lang="en-US" smtClean="0"/>
+              <a:t>References</a:t>
+            </a:r>
+            <a:endParaRPr lang="en-US"/>
+          </a:p>
+        </p:txBody>
+      </p:sp>
+      <p:sp>
+        <p:nvSpPr>
+          <p:cNvPr id="3" name="Content Placeholder 2"/>
+          <p:cNvSpPr>
+            <a:spLocks noGrp="1"/>
+          </p:cNvSpPr>
+          <p:nvPr>
+            <p:ph idx="1"/>
+          </p:nvPr>
+        </p:nvSpPr>
+        <p:spPr/>
+        <p:txBody>
+          <a:bodyPr/>
+          <a:lstStyle/>
+          <a:p>
+            <a:r>
+              <a:rPr lang="en-US" sz="1400" smtClean="0"/>
+              <a:t>[1] </a:t>
+            </a:r>
+            <a:r>
+              <a:rPr lang="en-US" sz="1400"/>
+              <a:t>Dong-chen He and Li Wang, "Texture Unit, Texture Spectrum, And Texture Analysis," in </a:t>
+            </a:r>
+            <a:r>
+              <a:rPr lang="en-US" sz="1400" i="1"/>
+              <a:t>IEEE Transactions on Geoscience and Remote Sensing</a:t>
+            </a:r>
+            <a:r>
+              <a:rPr lang="en-US" sz="1400"/>
+              <a:t>, vol. 28, no. 4, pp. 509-512, </a:t>
+            </a:r>
+            <a:r>
+              <a:rPr lang="en-US" sz="1400"/>
+              <a:t>July </a:t>
+            </a:r>
+            <a:r>
+              <a:rPr lang="en-US" sz="1400" smtClean="0"/>
+              <a:t>1990</a:t>
+            </a:r>
+          </a:p>
+          <a:p>
+            <a:r>
+              <a:rPr lang="en-US" sz="1400" smtClean="0"/>
+              <a:t>[2] </a:t>
+            </a:r>
+            <a:r>
+              <a:rPr lang="en-US" sz="1400"/>
+              <a:t>T. Ojala, M. Pietikainen and D. Harwood, "Performance evaluation of texture measures with classification based on Kullback discrimination of distributions," </a:t>
+            </a:r>
+            <a:r>
+              <a:rPr lang="en-US" sz="1400" i="1"/>
+              <a:t>Proceedings of 12th International Conference on Pattern Recognition</a:t>
+            </a:r>
+            <a:r>
+              <a:rPr lang="en-US" sz="1400"/>
+              <a:t>, Jerusalem, Israel, 1994, pp. 582-585 </a:t>
+            </a:r>
+            <a:r>
+              <a:rPr lang="en-US" sz="1400"/>
+              <a:t>vol.1</a:t>
+            </a:r>
+            <a:r>
+              <a:rPr lang="en-US" sz="1400" smtClean="0"/>
+              <a:t>.</a:t>
+            </a:r>
+          </a:p>
+          <a:p>
+            <a:r>
+              <a:rPr lang="en-US" sz="1400" smtClean="0"/>
+              <a:t>[3] </a:t>
+            </a:r>
+            <a:r>
+              <a:rPr lang="en-US" sz="1400">
+                <a:hlinkClick r:id="rId2"/>
+              </a:rPr>
+              <a:t>https</a:t>
+            </a:r>
+            <a:r>
+              <a:rPr lang="en-US" sz="1400">
+                <a:hlinkClick r:id="rId2"/>
+              </a:rPr>
+              <a:t>://</a:t>
+            </a:r>
+            <a:r>
+              <a:rPr lang="en-US" sz="1400" smtClean="0">
+                <a:hlinkClick r:id="rId2"/>
+              </a:rPr>
+              <a:t>towardsdatascience.com/face-recognition-how-lbph-works-90ec258c3d6b</a:t>
+            </a:r>
+            <a:endParaRPr lang="en-US" sz="1400" smtClean="0"/>
+          </a:p>
+          <a:p>
+            <a:r>
+              <a:rPr lang="en-US" sz="1400" smtClean="0"/>
+              <a:t>[4] </a:t>
+            </a:r>
+            <a:r>
+              <a:rPr lang="en-US" sz="1400"/>
+              <a:t> Ahonen, T., Hadid, A., and Pietikainen, M. </a:t>
+            </a:r>
+            <a:r>
+              <a:rPr lang="en-US" sz="1400" i="1"/>
+              <a:t>Face Recognition with Local Binary Patterns.</a:t>
+            </a:r>
+            <a:r>
+              <a:rPr lang="en-US" sz="1400"/>
+              <a:t> Computer Vision - ECCV 2004 (2004), 469–481.</a:t>
+            </a:r>
+            <a:endParaRPr lang="en-US" sz="1400"/>
+          </a:p>
+        </p:txBody>
+      </p:sp>
+    </p:spTree>
+    <p:extLst>
+      <p:ext uri="{BB962C8B-B14F-4D97-AF65-F5344CB8AC3E}">
+        <p14:creationId xmlns:p14="http://schemas.microsoft.com/office/powerpoint/2010/main" val="3937869046"/>
+      </p:ext>
+    </p:extLst>
+  </p:cSld>
+  <p:clrMapOvr>
+    <a:masterClrMapping/>
+  </p:clrMapOvr>
+</p:sld>
+</file>
+
 <file path=ppt/slides/slide2.xml><?xml version="1.0" encoding="utf-8"?>
 <p:sld xmlns:a="http://schemas.openxmlformats.org/drawingml/2006/main" xmlns:r="http://schemas.openxmlformats.org/officeDocument/2006/relationships" xmlns:p="http://schemas.openxmlformats.org/presentationml/2006/main">
   <p:cSld>
@@ -3657,8 +4010,13 @@
           <a:p>
             <a:r>
               <a:rPr lang="en-US" smtClean="0"/>
-              <a:t>First described in the 90’s</a:t>
-            </a:r>
+              <a:t>First described in the </a:t>
+            </a:r>
+            <a:r>
+              <a:rPr lang="en-US" smtClean="0"/>
+              <a:t>90’s [1][2]</a:t>
+            </a:r>
+            <a:endParaRPr lang="en-US" smtClean="0"/>
           </a:p>
           <a:p>
             <a:r>
@@ -4074,6 +4432,797 @@
           <a:p>
             <a:r>
               <a:rPr lang="en-US" smtClean="0"/>
+              <a:t>LBP Extensions</a:t>
+            </a:r>
+            <a:endParaRPr lang="en-US"/>
+          </a:p>
+        </p:txBody>
+      </p:sp>
+      <p:pic>
+        <p:nvPicPr>
+          <p:cNvPr id="4098" name="Picture 2"/>
+          <p:cNvPicPr>
+            <a:picLocks noChangeAspect="1" noChangeArrowheads="1"/>
+          </p:cNvPicPr>
+          <p:nvPr/>
+        </p:nvPicPr>
+        <p:blipFill>
+          <a:blip r:embed="rId2">
+            <a:extLst>
+              <a:ext uri="{28A0092B-C50C-407E-A947-70E740481C1C}">
+                <a14:useLocalDpi xmlns:a14="http://schemas.microsoft.com/office/drawing/2010/main" val="0"/>
+              </a:ext>
+            </a:extLst>
+          </a:blip>
+          <a:srcRect/>
+          <a:stretch>
+            <a:fillRect/>
+          </a:stretch>
+        </p:blipFill>
+        <p:spPr bwMode="auto">
+          <a:xfrm>
+            <a:off x="304800" y="1905000"/>
+            <a:ext cx="5143500" cy="1598053"/>
+          </a:xfrm>
+          <a:prstGeom prst="rect">
+            <a:avLst/>
+          </a:prstGeom>
+          <a:noFill/>
+          <a:ln>
+            <a:noFill/>
+          </a:ln>
+          <a:effectLst/>
+          <a:extLst>
+            <a:ext uri="{909E8E84-426E-40DD-AFC4-6F175D3DCCD1}">
+              <a14:hiddenFill xmlns:a14="http://schemas.microsoft.com/office/drawing/2010/main">
+                <a:solidFill>
+                  <a:schemeClr val="accent1"/>
+                </a:solidFill>
+              </a14:hiddenFill>
+            </a:ext>
+            <a:ext uri="{91240B29-F687-4F45-9708-019B960494DF}">
+              <a14:hiddenLine xmlns:a14="http://schemas.microsoft.com/office/drawing/2010/main" w="9525">
+                <a:solidFill>
+                  <a:schemeClr val="tx1"/>
+                </a:solidFill>
+                <a:miter lim="800000"/>
+                <a:headEnd/>
+                <a:tailEnd/>
+              </a14:hiddenLine>
+            </a:ext>
+            <a:ext uri="{AF507438-7753-43E0-B8FC-AC1667EBCBE1}">
+              <a14:hiddenEffects xmlns:a14="http://schemas.microsoft.com/office/drawing/2010/main">
+                <a:effectLst>
+                  <a:outerShdw dist="35921" dir="2700000" algn="ctr" rotWithShape="0">
+                    <a:schemeClr val="bg2"/>
+                  </a:outerShdw>
+                </a:effectLst>
+              </a14:hiddenEffects>
+            </a:ext>
+          </a:extLst>
+        </p:spPr>
+      </p:pic>
+      <p:pic>
+        <p:nvPicPr>
+          <p:cNvPr id="4099" name="Picture 3"/>
+          <p:cNvPicPr>
+            <a:picLocks noChangeAspect="1" noChangeArrowheads="1"/>
+          </p:cNvPicPr>
+          <p:nvPr/>
+        </p:nvPicPr>
+        <p:blipFill>
+          <a:blip r:embed="rId3">
+            <a:extLst>
+              <a:ext uri="{28A0092B-C50C-407E-A947-70E740481C1C}">
+                <a14:useLocalDpi xmlns:a14="http://schemas.microsoft.com/office/drawing/2010/main" val="0"/>
+              </a:ext>
+            </a:extLst>
+          </a:blip>
+          <a:srcRect/>
+          <a:stretch>
+            <a:fillRect/>
+          </a:stretch>
+        </p:blipFill>
+        <p:spPr bwMode="auto">
+          <a:xfrm>
+            <a:off x="1782702" y="4419600"/>
+            <a:ext cx="1457325" cy="1343025"/>
+          </a:xfrm>
+          <a:prstGeom prst="rect">
+            <a:avLst/>
+          </a:prstGeom>
+          <a:noFill/>
+          <a:ln>
+            <a:noFill/>
+          </a:ln>
+          <a:effectLst/>
+          <a:extLst>
+            <a:ext uri="{909E8E84-426E-40DD-AFC4-6F175D3DCCD1}">
+              <a14:hiddenFill xmlns:a14="http://schemas.microsoft.com/office/drawing/2010/main">
+                <a:solidFill>
+                  <a:schemeClr val="accent1"/>
+                </a:solidFill>
+              </a14:hiddenFill>
+            </a:ext>
+            <a:ext uri="{91240B29-F687-4F45-9708-019B960494DF}">
+              <a14:hiddenLine xmlns:a14="http://schemas.microsoft.com/office/drawing/2010/main" w="9525">
+                <a:solidFill>
+                  <a:schemeClr val="tx1"/>
+                </a:solidFill>
+                <a:miter lim="800000"/>
+                <a:headEnd/>
+                <a:tailEnd/>
+              </a14:hiddenLine>
+            </a:ext>
+            <a:ext uri="{AF507438-7753-43E0-B8FC-AC1667EBCBE1}">
+              <a14:hiddenEffects xmlns:a14="http://schemas.microsoft.com/office/drawing/2010/main">
+                <a:effectLst>
+                  <a:outerShdw dist="35921" dir="2700000" algn="ctr" rotWithShape="0">
+                    <a:schemeClr val="bg2"/>
+                  </a:outerShdw>
+                </a:effectLst>
+              </a14:hiddenEffects>
+            </a:ext>
+          </a:extLst>
+        </p:spPr>
+      </p:pic>
+      <p:sp>
+        <p:nvSpPr>
+          <p:cNvPr id="5" name="TextBox 4"/>
+          <p:cNvSpPr txBox="1"/>
+          <p:nvPr/>
+        </p:nvSpPr>
+        <p:spPr>
+          <a:xfrm>
+            <a:off x="457200" y="1447800"/>
+            <a:ext cx="1828800" cy="369332"/>
+          </a:xfrm>
+          <a:prstGeom prst="rect">
+            <a:avLst/>
+          </a:prstGeom>
+          <a:noFill/>
+        </p:spPr>
+        <p:txBody>
+          <a:bodyPr wrap="square" rtlCol="0">
+            <a:spAutoFit/>
+          </a:bodyPr>
+          <a:lstStyle/>
+          <a:p>
+            <a:r>
+              <a:rPr lang="en-US" smtClean="0"/>
+              <a:t>Circular LBP</a:t>
+            </a:r>
+            <a:endParaRPr lang="en-US"/>
+          </a:p>
+        </p:txBody>
+      </p:sp>
+      <p:sp>
+        <p:nvSpPr>
+          <p:cNvPr id="6" name="TextBox 5"/>
+          <p:cNvSpPr txBox="1"/>
+          <p:nvPr/>
+        </p:nvSpPr>
+        <p:spPr>
+          <a:xfrm>
+            <a:off x="152400" y="4083806"/>
+            <a:ext cx="1676400" cy="1754326"/>
+          </a:xfrm>
+          <a:prstGeom prst="rect">
+            <a:avLst/>
+          </a:prstGeom>
+          <a:noFill/>
+        </p:spPr>
+        <p:txBody>
+          <a:bodyPr wrap="square" rtlCol="0">
+            <a:spAutoFit/>
+          </a:bodyPr>
+          <a:lstStyle/>
+          <a:p>
+            <a:r>
+              <a:rPr lang="en-US" smtClean="0"/>
+              <a:t>Transition LBP</a:t>
+            </a:r>
+          </a:p>
+          <a:p>
+            <a:r>
+              <a:rPr lang="en-US" smtClean="0"/>
+              <a:t>- Encodes relationship between neighbouring pixels</a:t>
+            </a:r>
+            <a:endParaRPr lang="en-US"/>
+          </a:p>
+        </p:txBody>
+      </p:sp>
+      <p:sp>
+        <p:nvSpPr>
+          <p:cNvPr id="7" name="TextBox 6"/>
+          <p:cNvSpPr txBox="1"/>
+          <p:nvPr/>
+        </p:nvSpPr>
+        <p:spPr>
+          <a:xfrm>
+            <a:off x="4800600" y="4571192"/>
+            <a:ext cx="2743200" cy="1200329"/>
+          </a:xfrm>
+          <a:prstGeom prst="rect">
+            <a:avLst/>
+          </a:prstGeom>
+          <a:noFill/>
+        </p:spPr>
+        <p:txBody>
+          <a:bodyPr wrap="square" rtlCol="0">
+            <a:spAutoFit/>
+          </a:bodyPr>
+          <a:lstStyle/>
+          <a:p>
+            <a:r>
+              <a:rPr lang="en-US" smtClean="0"/>
+              <a:t>Volume LBP</a:t>
+            </a:r>
+          </a:p>
+          <a:p>
+            <a:r>
+              <a:rPr lang="en-US" smtClean="0"/>
+              <a:t>- Texture described as (X, Y, T) where T is the time coordinate</a:t>
+            </a:r>
+            <a:endParaRPr lang="en-US"/>
+          </a:p>
+        </p:txBody>
+      </p:sp>
+    </p:spTree>
+    <p:extLst>
+      <p:ext uri="{BB962C8B-B14F-4D97-AF65-F5344CB8AC3E}">
+        <p14:creationId xmlns:p14="http://schemas.microsoft.com/office/powerpoint/2010/main" val="348559538"/>
+      </p:ext>
+    </p:extLst>
+  </p:cSld>
+  <p:clrMapOvr>
+    <a:masterClrMapping/>
+  </p:clrMapOvr>
+</p:sld>
+</file>
+
+<file path=ppt/slides/slide6.xml><?xml version="1.0" encoding="utf-8"?>
+<p:sld xmlns:a="http://schemas.openxmlformats.org/drawingml/2006/main" xmlns:r="http://schemas.openxmlformats.org/officeDocument/2006/relationships" xmlns:p="http://schemas.openxmlformats.org/presentationml/2006/main">
+  <p:cSld>
+    <p:spTree>
+      <p:nvGrpSpPr>
+        <p:cNvPr id="1" name=""/>
+        <p:cNvGrpSpPr/>
+        <p:nvPr/>
+      </p:nvGrpSpPr>
+      <p:grpSpPr>
+        <a:xfrm>
+          <a:off x="0" y="0"/>
+          <a:ext cx="0" cy="0"/>
+          <a:chOff x="0" y="0"/>
+          <a:chExt cx="0" cy="0"/>
+        </a:xfrm>
+      </p:grpSpPr>
+      <p:sp>
+        <p:nvSpPr>
+          <p:cNvPr id="2" name="Title 1"/>
+          <p:cNvSpPr>
+            <a:spLocks noGrp="1"/>
+          </p:cNvSpPr>
+          <p:nvPr>
+            <p:ph type="title"/>
+          </p:nvPr>
+        </p:nvSpPr>
+        <p:spPr/>
+        <p:txBody>
+          <a:bodyPr/>
+          <a:lstStyle/>
+          <a:p>
+            <a:r>
+              <a:rPr lang="en-US" sz="3600" smtClean="0"/>
+              <a:t>Face Recognition with LBP Histograms</a:t>
+            </a:r>
+            <a:endParaRPr lang="en-US" sz="3600"/>
+          </a:p>
+        </p:txBody>
+      </p:sp>
+      <p:sp>
+        <p:nvSpPr>
+          <p:cNvPr id="3" name="Content Placeholder 2"/>
+          <p:cNvSpPr>
+            <a:spLocks noGrp="1"/>
+          </p:cNvSpPr>
+          <p:nvPr>
+            <p:ph idx="1"/>
+          </p:nvPr>
+        </p:nvSpPr>
+        <p:spPr/>
+        <p:txBody>
+          <a:bodyPr/>
+          <a:lstStyle/>
+          <a:p>
+            <a:r>
+              <a:rPr lang="en-US" sz="2400" smtClean="0"/>
+              <a:t>Described by Ahonen et al, 2004 [4]</a:t>
+            </a:r>
+          </a:p>
+          <a:p>
+            <a:r>
+              <a:rPr lang="en-US" sz="2400" smtClean="0"/>
+              <a:t>a histogram over the LBP values contains information about the distribution of : edges, spots, flat ares over the image</a:t>
+            </a:r>
+          </a:p>
+        </p:txBody>
+      </p:sp>
+      <p:pic>
+        <p:nvPicPr>
+          <p:cNvPr id="1026" name="Picture 2"/>
+          <p:cNvPicPr>
+            <a:picLocks noChangeAspect="1" noChangeArrowheads="1"/>
+          </p:cNvPicPr>
+          <p:nvPr/>
+        </p:nvPicPr>
+        <p:blipFill>
+          <a:blip r:embed="rId2">
+            <a:extLst>
+              <a:ext uri="{28A0092B-C50C-407E-A947-70E740481C1C}">
+                <a14:useLocalDpi xmlns:a14="http://schemas.microsoft.com/office/drawing/2010/main" val="0"/>
+              </a:ext>
+            </a:extLst>
+          </a:blip>
+          <a:srcRect/>
+          <a:stretch>
+            <a:fillRect/>
+          </a:stretch>
+        </p:blipFill>
+        <p:spPr bwMode="auto">
+          <a:xfrm>
+            <a:off x="1981200" y="2971800"/>
+            <a:ext cx="6329362" cy="3234641"/>
+          </a:xfrm>
+          <a:prstGeom prst="rect">
+            <a:avLst/>
+          </a:prstGeom>
+          <a:noFill/>
+          <a:ln>
+            <a:noFill/>
+          </a:ln>
+          <a:effectLst/>
+          <a:extLst>
+            <a:ext uri="{909E8E84-426E-40DD-AFC4-6F175D3DCCD1}">
+              <a14:hiddenFill xmlns:a14="http://schemas.microsoft.com/office/drawing/2010/main">
+                <a:solidFill>
+                  <a:schemeClr val="accent1"/>
+                </a:solidFill>
+              </a14:hiddenFill>
+            </a:ext>
+            <a:ext uri="{91240B29-F687-4F45-9708-019B960494DF}">
+              <a14:hiddenLine xmlns:a14="http://schemas.microsoft.com/office/drawing/2010/main" w="9525">
+                <a:solidFill>
+                  <a:schemeClr val="tx1"/>
+                </a:solidFill>
+                <a:miter lim="800000"/>
+                <a:headEnd/>
+                <a:tailEnd/>
+              </a14:hiddenLine>
+            </a:ext>
+            <a:ext uri="{AF507438-7753-43E0-B8FC-AC1667EBCBE1}">
+              <a14:hiddenEffects xmlns:a14="http://schemas.microsoft.com/office/drawing/2010/main">
+                <a:effectLst>
+                  <a:outerShdw dist="35921" dir="2700000" algn="ctr" rotWithShape="0">
+                    <a:schemeClr val="bg2"/>
+                  </a:outerShdw>
+                </a:effectLst>
+              </a14:hiddenEffects>
+            </a:ext>
+          </a:extLst>
+        </p:spPr>
+      </p:pic>
+      <p:sp>
+        <p:nvSpPr>
+          <p:cNvPr id="4" name="TextBox 3"/>
+          <p:cNvSpPr txBox="1"/>
+          <p:nvPr/>
+        </p:nvSpPr>
+        <p:spPr>
+          <a:xfrm>
+            <a:off x="1069181" y="6170711"/>
+            <a:ext cx="8153400" cy="307777"/>
+          </a:xfrm>
+          <a:prstGeom prst="rect">
+            <a:avLst/>
+          </a:prstGeom>
+          <a:noFill/>
+        </p:spPr>
+        <p:txBody>
+          <a:bodyPr wrap="square" rtlCol="0">
+            <a:spAutoFit/>
+          </a:bodyPr>
+          <a:lstStyle/>
+          <a:p>
+            <a:r>
+              <a:rPr lang="en-US" sz="1400" smtClean="0">
+                <a:hlinkClick r:id="rId3"/>
+              </a:rPr>
+              <a:t>Source: https</a:t>
+            </a:r>
+            <a:r>
+              <a:rPr lang="en-US" sz="1400">
+                <a:hlinkClick r:id="rId3"/>
+              </a:rPr>
+              <a:t>://www.pyimagesearch.com/wp-content/uploads/2015/12/lbp_256bin_histogram.jpg</a:t>
+            </a:r>
+            <a:endParaRPr lang="en-US" sz="1400"/>
+          </a:p>
+        </p:txBody>
+      </p:sp>
+    </p:spTree>
+    <p:extLst>
+      <p:ext uri="{BB962C8B-B14F-4D97-AF65-F5344CB8AC3E}">
+        <p14:creationId xmlns:p14="http://schemas.microsoft.com/office/powerpoint/2010/main" val="150186954"/>
+      </p:ext>
+    </p:extLst>
+  </p:cSld>
+  <p:clrMapOvr>
+    <a:masterClrMapping/>
+  </p:clrMapOvr>
+</p:sld>
+</file>
+
+<file path=ppt/slides/slide7.xml><?xml version="1.0" encoding="utf-8"?>
+<p:sld xmlns:a="http://schemas.openxmlformats.org/drawingml/2006/main" xmlns:r="http://schemas.openxmlformats.org/officeDocument/2006/relationships" xmlns:p="http://schemas.openxmlformats.org/presentationml/2006/main">
+  <p:cSld>
+    <p:spTree>
+      <p:nvGrpSpPr>
+        <p:cNvPr id="1" name=""/>
+        <p:cNvGrpSpPr/>
+        <p:nvPr/>
+      </p:nvGrpSpPr>
+      <p:grpSpPr>
+        <a:xfrm>
+          <a:off x="0" y="0"/>
+          <a:ext cx="0" cy="0"/>
+          <a:chOff x="0" y="0"/>
+          <a:chExt cx="0" cy="0"/>
+        </a:xfrm>
+      </p:grpSpPr>
+      <p:sp>
+        <p:nvSpPr>
+          <p:cNvPr id="2" name="Title 1"/>
+          <p:cNvSpPr>
+            <a:spLocks noGrp="1"/>
+          </p:cNvSpPr>
+          <p:nvPr>
+            <p:ph type="title"/>
+          </p:nvPr>
+        </p:nvSpPr>
+        <p:spPr/>
+        <p:txBody>
+          <a:bodyPr/>
+          <a:lstStyle/>
+          <a:p>
+            <a:endParaRPr lang="en-US"/>
+          </a:p>
+        </p:txBody>
+      </p:sp>
+      <p:sp>
+        <p:nvSpPr>
+          <p:cNvPr id="3" name="Content Placeholder 2"/>
+          <p:cNvSpPr>
+            <a:spLocks noGrp="1"/>
+          </p:cNvSpPr>
+          <p:nvPr>
+            <p:ph idx="1"/>
+          </p:nvPr>
+        </p:nvSpPr>
+        <p:spPr/>
+        <p:txBody>
+          <a:bodyPr/>
+          <a:lstStyle/>
+          <a:p>
+            <a:r>
+              <a:rPr lang="en-US"/>
+              <a:t>Include spatial information : divide initial image into a grid, compute histograms, then concatenate them</a:t>
+            </a:r>
+          </a:p>
+          <a:p>
+            <a:endParaRPr lang="en-US"/>
+          </a:p>
+        </p:txBody>
+      </p:sp>
+      <p:pic>
+        <p:nvPicPr>
+          <p:cNvPr id="2050" name="Picture 2"/>
+          <p:cNvPicPr>
+            <a:picLocks noChangeAspect="1" noChangeArrowheads="1"/>
+          </p:cNvPicPr>
+          <p:nvPr/>
+        </p:nvPicPr>
+        <p:blipFill>
+          <a:blip r:embed="rId2">
+            <a:extLst>
+              <a:ext uri="{28A0092B-C50C-407E-A947-70E740481C1C}">
+                <a14:useLocalDpi xmlns:a14="http://schemas.microsoft.com/office/drawing/2010/main" val="0"/>
+              </a:ext>
+            </a:extLst>
+          </a:blip>
+          <a:srcRect/>
+          <a:stretch>
+            <a:fillRect/>
+          </a:stretch>
+        </p:blipFill>
+        <p:spPr bwMode="auto">
+          <a:xfrm>
+            <a:off x="838200" y="3505200"/>
+            <a:ext cx="7315200" cy="1954131"/>
+          </a:xfrm>
+          <a:prstGeom prst="rect">
+            <a:avLst/>
+          </a:prstGeom>
+          <a:noFill/>
+          <a:ln>
+            <a:noFill/>
+          </a:ln>
+          <a:effectLst/>
+          <a:extLst>
+            <a:ext uri="{909E8E84-426E-40DD-AFC4-6F175D3DCCD1}">
+              <a14:hiddenFill xmlns:a14="http://schemas.microsoft.com/office/drawing/2010/main">
+                <a:solidFill>
+                  <a:schemeClr val="accent1"/>
+                </a:solidFill>
+              </a14:hiddenFill>
+            </a:ext>
+            <a:ext uri="{91240B29-F687-4F45-9708-019B960494DF}">
+              <a14:hiddenLine xmlns:a14="http://schemas.microsoft.com/office/drawing/2010/main" w="9525">
+                <a:solidFill>
+                  <a:schemeClr val="tx1"/>
+                </a:solidFill>
+                <a:miter lim="800000"/>
+                <a:headEnd/>
+                <a:tailEnd/>
+              </a14:hiddenLine>
+            </a:ext>
+            <a:ext uri="{AF507438-7753-43E0-B8FC-AC1667EBCBE1}">
+              <a14:hiddenEffects xmlns:a14="http://schemas.microsoft.com/office/drawing/2010/main">
+                <a:effectLst>
+                  <a:outerShdw dist="35921" dir="2700000" algn="ctr" rotWithShape="0">
+                    <a:schemeClr val="bg2"/>
+                  </a:outerShdw>
+                </a:effectLst>
+              </a14:hiddenEffects>
+            </a:ext>
+          </a:extLst>
+        </p:spPr>
+      </p:pic>
+      <p:sp>
+        <p:nvSpPr>
+          <p:cNvPr id="5" name="TextBox 4"/>
+          <p:cNvSpPr txBox="1"/>
+          <p:nvPr/>
+        </p:nvSpPr>
+        <p:spPr>
+          <a:xfrm>
+            <a:off x="1219200" y="5320831"/>
+            <a:ext cx="6248400" cy="276999"/>
+          </a:xfrm>
+          <a:prstGeom prst="rect">
+            <a:avLst/>
+          </a:prstGeom>
+          <a:noFill/>
+        </p:spPr>
+        <p:txBody>
+          <a:bodyPr wrap="square" rtlCol="0">
+            <a:spAutoFit/>
+          </a:bodyPr>
+          <a:lstStyle/>
+          <a:p>
+            <a:r>
+              <a:rPr lang="en-US" sz="1200" smtClean="0"/>
+              <a:t>Source: </a:t>
+            </a:r>
+            <a:r>
+              <a:rPr lang="en-US" sz="1200">
+                <a:hlinkClick r:id="rId3"/>
+              </a:rPr>
+              <a:t>https://towardsdatascience.com/face-recognition-how-lbph-works-90ec258c3d6b</a:t>
+            </a:r>
+            <a:endParaRPr lang="en-US" sz="1200"/>
+          </a:p>
+        </p:txBody>
+      </p:sp>
+    </p:spTree>
+    <p:extLst>
+      <p:ext uri="{BB962C8B-B14F-4D97-AF65-F5344CB8AC3E}">
+        <p14:creationId xmlns:p14="http://schemas.microsoft.com/office/powerpoint/2010/main" val="439816943"/>
+      </p:ext>
+    </p:extLst>
+  </p:cSld>
+  <p:clrMapOvr>
+    <a:masterClrMapping/>
+  </p:clrMapOvr>
+</p:sld>
+</file>
+
+<file path=ppt/slides/slide8.xml><?xml version="1.0" encoding="utf-8"?>
+<p:sld xmlns:a="http://schemas.openxmlformats.org/drawingml/2006/main" xmlns:r="http://schemas.openxmlformats.org/officeDocument/2006/relationships" xmlns:p="http://schemas.openxmlformats.org/presentationml/2006/main">
+  <p:cSld>
+    <p:spTree>
+      <p:nvGrpSpPr>
+        <p:cNvPr id="1" name=""/>
+        <p:cNvGrpSpPr/>
+        <p:nvPr/>
+      </p:nvGrpSpPr>
+      <p:grpSpPr>
+        <a:xfrm>
+          <a:off x="0" y="0"/>
+          <a:ext cx="0" cy="0"/>
+          <a:chOff x="0" y="0"/>
+          <a:chExt cx="0" cy="0"/>
+        </a:xfrm>
+      </p:grpSpPr>
+      <p:sp>
+        <p:nvSpPr>
+          <p:cNvPr id="2" name="Title 1"/>
+          <p:cNvSpPr>
+            <a:spLocks noGrp="1"/>
+          </p:cNvSpPr>
+          <p:nvPr>
+            <p:ph type="title"/>
+          </p:nvPr>
+        </p:nvSpPr>
+        <p:spPr/>
+        <p:txBody>
+          <a:bodyPr/>
+          <a:lstStyle/>
+          <a:p>
+            <a:r>
+              <a:rPr lang="en-US" smtClean="0"/>
+              <a:t>Face recognition</a:t>
+            </a:r>
+            <a:endParaRPr lang="en-US"/>
+          </a:p>
+        </p:txBody>
+      </p:sp>
+      <p:sp>
+        <p:nvSpPr>
+          <p:cNvPr id="3" name="Content Placeholder 2"/>
+          <p:cNvSpPr>
+            <a:spLocks noGrp="1"/>
+          </p:cNvSpPr>
+          <p:nvPr>
+            <p:ph idx="1"/>
+          </p:nvPr>
+        </p:nvSpPr>
+        <p:spPr>
+          <a:xfrm>
+            <a:off x="457200" y="1600200"/>
+            <a:ext cx="8229600" cy="3124199"/>
+          </a:xfrm>
+        </p:spPr>
+        <p:txBody>
+          <a:bodyPr/>
+          <a:lstStyle/>
+          <a:p>
+            <a:r>
+              <a:rPr lang="en-US" smtClean="0"/>
+              <a:t>After applying LBP Histograms on test image and database images compare them using a distance metric</a:t>
+            </a:r>
+          </a:p>
+          <a:p>
+            <a:r>
+              <a:rPr lang="en-US" smtClean="0"/>
+              <a:t>E.g. Euclidean distance between them</a:t>
+            </a:r>
+            <a:endParaRPr lang="en-US"/>
+          </a:p>
+        </p:txBody>
+      </p:sp>
+      <p:pic>
+        <p:nvPicPr>
+          <p:cNvPr id="3074" name="Picture 2"/>
+          <p:cNvPicPr>
+            <a:picLocks noChangeAspect="1" noChangeArrowheads="1"/>
+          </p:cNvPicPr>
+          <p:nvPr/>
+        </p:nvPicPr>
+        <p:blipFill>
+          <a:blip r:embed="rId2">
+            <a:extLst>
+              <a:ext uri="{28A0092B-C50C-407E-A947-70E740481C1C}">
+                <a14:useLocalDpi xmlns:a14="http://schemas.microsoft.com/office/drawing/2010/main" val="0"/>
+              </a:ext>
+            </a:extLst>
+          </a:blip>
+          <a:srcRect/>
+          <a:stretch>
+            <a:fillRect/>
+          </a:stretch>
+        </p:blipFill>
+        <p:spPr bwMode="auto">
+          <a:xfrm>
+            <a:off x="2819400" y="4419600"/>
+            <a:ext cx="3103614" cy="1114425"/>
+          </a:xfrm>
+          <a:prstGeom prst="rect">
+            <a:avLst/>
+          </a:prstGeom>
+          <a:noFill/>
+          <a:ln>
+            <a:noFill/>
+          </a:ln>
+          <a:effectLst/>
+          <a:extLst>
+            <a:ext uri="{909E8E84-426E-40DD-AFC4-6F175D3DCCD1}">
+              <a14:hiddenFill xmlns:a14="http://schemas.microsoft.com/office/drawing/2010/main">
+                <a:solidFill>
+                  <a:schemeClr val="accent1"/>
+                </a:solidFill>
+              </a14:hiddenFill>
+            </a:ext>
+            <a:ext uri="{91240B29-F687-4F45-9708-019B960494DF}">
+              <a14:hiddenLine xmlns:a14="http://schemas.microsoft.com/office/drawing/2010/main" w="9525">
+                <a:solidFill>
+                  <a:schemeClr val="tx1"/>
+                </a:solidFill>
+                <a:miter lim="800000"/>
+                <a:headEnd/>
+                <a:tailEnd/>
+              </a14:hiddenLine>
+            </a:ext>
+            <a:ext uri="{AF507438-7753-43E0-B8FC-AC1667EBCBE1}">
+              <a14:hiddenEffects xmlns:a14="http://schemas.microsoft.com/office/drawing/2010/main">
+                <a:effectLst>
+                  <a:outerShdw dist="35921" dir="2700000" algn="ctr" rotWithShape="0">
+                    <a:schemeClr val="bg2"/>
+                  </a:outerShdw>
+                </a:effectLst>
+              </a14:hiddenEffects>
+            </a:ext>
+          </a:extLst>
+        </p:spPr>
+      </p:pic>
+    </p:spTree>
+    <p:extLst>
+      <p:ext uri="{BB962C8B-B14F-4D97-AF65-F5344CB8AC3E}">
+        <p14:creationId xmlns:p14="http://schemas.microsoft.com/office/powerpoint/2010/main" val="3586501192"/>
+      </p:ext>
+    </p:extLst>
+  </p:cSld>
+  <p:clrMapOvr>
+    <a:masterClrMapping/>
+  </p:clrMapOvr>
+</p:sld>
+</file>
+
+<file path=ppt/slides/slide9.xml><?xml version="1.0" encoding="utf-8"?>
+<p:sld xmlns:a="http://schemas.openxmlformats.org/drawingml/2006/main" xmlns:r="http://schemas.openxmlformats.org/officeDocument/2006/relationships" xmlns:p="http://schemas.openxmlformats.org/presentationml/2006/main">
+  <p:cSld>
+    <p:spTree>
+      <p:nvGrpSpPr>
+        <p:cNvPr id="1" name=""/>
+        <p:cNvGrpSpPr/>
+        <p:nvPr/>
+      </p:nvGrpSpPr>
+      <p:grpSpPr>
+        <a:xfrm>
+          <a:off x="0" y="0"/>
+          <a:ext cx="0" cy="0"/>
+          <a:chOff x="0" y="0"/>
+          <a:chExt cx="0" cy="0"/>
+        </a:xfrm>
+      </p:grpSpPr>
+      <p:sp>
+        <p:nvSpPr>
+          <p:cNvPr id="2" name="Title 1"/>
+          <p:cNvSpPr>
+            <a:spLocks noGrp="1"/>
+          </p:cNvSpPr>
+          <p:nvPr>
+            <p:ph type="title"/>
+          </p:nvPr>
+        </p:nvSpPr>
+        <p:spPr/>
+        <p:txBody>
+          <a:bodyPr/>
+          <a:lstStyle/>
+          <a:p>
+            <a:r>
+              <a:rPr lang="en-US" smtClean="0"/>
               <a:t>Practical application</a:t>
             </a:r>
             <a:endParaRPr lang="en-US"/>
@@ -4187,189 +5336,6 @@
     <p:extLst>
       <p:ext uri="{BB962C8B-B14F-4D97-AF65-F5344CB8AC3E}">
         <p14:creationId xmlns:p14="http://schemas.microsoft.com/office/powerpoint/2010/main" val="2267133711"/>
-      </p:ext>
-    </p:extLst>
-  </p:cSld>
-  <p:clrMapOvr>
-    <a:masterClrMapping/>
-  </p:clrMapOvr>
-</p:sld>
-</file>
-
-<file path=ppt/slides/slide6.xml><?xml version="1.0" encoding="utf-8"?>
-<p:sld xmlns:a="http://schemas.openxmlformats.org/drawingml/2006/main" xmlns:r="http://schemas.openxmlformats.org/officeDocument/2006/relationships" xmlns:p="http://schemas.openxmlformats.org/presentationml/2006/main">
-  <p:cSld>
-    <p:spTree>
-      <p:nvGrpSpPr>
-        <p:cNvPr id="1" name=""/>
-        <p:cNvGrpSpPr/>
-        <p:nvPr/>
-      </p:nvGrpSpPr>
-      <p:grpSpPr>
-        <a:xfrm>
-          <a:off x="0" y="0"/>
-          <a:ext cx="0" cy="0"/>
-          <a:chOff x="0" y="0"/>
-          <a:chExt cx="0" cy="0"/>
-        </a:xfrm>
-      </p:grpSpPr>
-      <p:sp>
-        <p:nvSpPr>
-          <p:cNvPr id="2" name="Title 1"/>
-          <p:cNvSpPr>
-            <a:spLocks noGrp="1"/>
-          </p:cNvSpPr>
-          <p:nvPr>
-            <p:ph type="title"/>
-          </p:nvPr>
-        </p:nvSpPr>
-        <p:spPr/>
-        <p:txBody>
-          <a:bodyPr/>
-          <a:lstStyle/>
-          <a:p>
-            <a:r>
-              <a:rPr lang="en-US" smtClean="0"/>
-              <a:t>Dataset</a:t>
-            </a:r>
-            <a:endParaRPr lang="en-US"/>
-          </a:p>
-        </p:txBody>
-      </p:sp>
-      <p:sp>
-        <p:nvSpPr>
-          <p:cNvPr id="3" name="Content Placeholder 2"/>
-          <p:cNvSpPr>
-            <a:spLocks noGrp="1"/>
-          </p:cNvSpPr>
-          <p:nvPr>
-            <p:ph idx="1"/>
-          </p:nvPr>
-        </p:nvSpPr>
-        <p:spPr>
-          <a:xfrm>
-            <a:off x="457200" y="1600201"/>
-            <a:ext cx="8229600" cy="914399"/>
-          </a:xfrm>
-        </p:spPr>
-        <p:txBody>
-          <a:bodyPr/>
-          <a:lstStyle/>
-          <a:p>
-            <a:r>
-              <a:rPr lang="en-US" sz="2800" smtClean="0"/>
-              <a:t>Subset </a:t>
-            </a:r>
-            <a:r>
-              <a:rPr lang="en-US" sz="2800"/>
-              <a:t>of the Frontal Face Dataset provided by Caltech </a:t>
-            </a:r>
-          </a:p>
-          <a:p>
-            <a:endParaRPr lang="en-US"/>
-          </a:p>
-        </p:txBody>
-      </p:sp>
-      <p:pic>
-        <p:nvPicPr>
-          <p:cNvPr id="1026" name="Picture 2"/>
-          <p:cNvPicPr>
-            <a:picLocks noChangeAspect="1" noChangeArrowheads="1"/>
-          </p:cNvPicPr>
-          <p:nvPr/>
-        </p:nvPicPr>
-        <p:blipFill>
-          <a:blip r:embed="rId2">
-            <a:extLst>
-              <a:ext uri="{28A0092B-C50C-407E-A947-70E740481C1C}">
-                <a14:useLocalDpi xmlns:a14="http://schemas.microsoft.com/office/drawing/2010/main" val="0"/>
-              </a:ext>
-            </a:extLst>
-          </a:blip>
-          <a:srcRect/>
-          <a:stretch>
-            <a:fillRect/>
-          </a:stretch>
-        </p:blipFill>
-        <p:spPr bwMode="auto">
-          <a:xfrm>
-            <a:off x="190500" y="2514600"/>
-            <a:ext cx="5524500" cy="3981450"/>
-          </a:xfrm>
-          <a:prstGeom prst="rect">
-            <a:avLst/>
-          </a:prstGeom>
-          <a:noFill/>
-          <a:ln>
-            <a:noFill/>
-          </a:ln>
-          <a:effectLst/>
-          <a:extLst>
-            <a:ext uri="{909E8E84-426E-40DD-AFC4-6F175D3DCCD1}">
-              <a14:hiddenFill xmlns:a14="http://schemas.microsoft.com/office/drawing/2010/main">
-                <a:solidFill>
-                  <a:schemeClr val="accent1"/>
-                </a:solidFill>
-              </a14:hiddenFill>
-            </a:ext>
-            <a:ext uri="{91240B29-F687-4F45-9708-019B960494DF}">
-              <a14:hiddenLine xmlns:a14="http://schemas.microsoft.com/office/drawing/2010/main" w="9525">
-                <a:solidFill>
-                  <a:schemeClr val="tx1"/>
-                </a:solidFill>
-                <a:miter lim="800000"/>
-                <a:headEnd/>
-                <a:tailEnd/>
-              </a14:hiddenLine>
-            </a:ext>
-            <a:ext uri="{AF507438-7753-43E0-B8FC-AC1667EBCBE1}">
-              <a14:hiddenEffects xmlns:a14="http://schemas.microsoft.com/office/drawing/2010/main">
-                <a:effectLst>
-                  <a:outerShdw dist="35921" dir="2700000" algn="ctr" rotWithShape="0">
-                    <a:schemeClr val="bg2"/>
-                  </a:outerShdw>
-                </a:effectLst>
-              </a14:hiddenEffects>
-            </a:ext>
-          </a:extLst>
-        </p:spPr>
-      </p:pic>
-      <p:sp>
-        <p:nvSpPr>
-          <p:cNvPr id="4" name="TextBox 3"/>
-          <p:cNvSpPr txBox="1"/>
-          <p:nvPr/>
-        </p:nvSpPr>
-        <p:spPr>
-          <a:xfrm>
-            <a:off x="5715000" y="2438400"/>
-            <a:ext cx="3124200" cy="3108543"/>
-          </a:xfrm>
-          <a:prstGeom prst="rect">
-            <a:avLst/>
-          </a:prstGeom>
-          <a:noFill/>
-        </p:spPr>
-        <p:txBody>
-          <a:bodyPr wrap="square" rtlCol="0">
-            <a:spAutoFit/>
-          </a:bodyPr>
-          <a:lstStyle/>
-          <a:p>
-            <a:r>
-              <a:rPr lang="en-US" sz="2800"/>
-              <a:t>54 images, 17 people, 896 x 592 pixels, under different lighting/expressions/backgrounds</a:t>
-            </a:r>
-          </a:p>
-          <a:p>
-            <a:endParaRPr lang="en-US" sz="2800"/>
-          </a:p>
-        </p:txBody>
-      </p:sp>
-    </p:spTree>
-    <p:extLst>
-      <p:ext uri="{BB962C8B-B14F-4D97-AF65-F5344CB8AC3E}">
-        <p14:creationId xmlns:p14="http://schemas.microsoft.com/office/powerpoint/2010/main" val="1066642514"/>
       </p:ext>
     </p:extLst>
   </p:cSld>

--- a/LBPFaceRecognition/Presentation.pptx
+++ b/LBPFaceRecognition/Presentation.pptx
@@ -13,9 +13,10 @@
     <p:sldId id="262" r:id="rId7"/>
     <p:sldId id="264" r:id="rId8"/>
     <p:sldId id="265" r:id="rId9"/>
-    <p:sldId id="259" r:id="rId10"/>
-    <p:sldId id="260" r:id="rId11"/>
-    <p:sldId id="263" r:id="rId12"/>
+    <p:sldId id="267" r:id="rId10"/>
+    <p:sldId id="259" r:id="rId11"/>
+    <p:sldId id="260" r:id="rId12"/>
+    <p:sldId id="263" r:id="rId13"/>
   </p:sldIdLst>
   <p:sldSz cx="9144000" cy="6858000" type="screen4x3"/>
   <p:notesSz cx="6858000" cy="9144000"/>
@@ -3546,6 +3547,162 @@
           <a:p>
             <a:r>
               <a:rPr lang="en-US" smtClean="0"/>
+              <a:t>Practical application</a:t>
+            </a:r>
+            <a:endParaRPr lang="en-US"/>
+          </a:p>
+        </p:txBody>
+      </p:sp>
+      <p:sp>
+        <p:nvSpPr>
+          <p:cNvPr id="3" name="Content Placeholder 2"/>
+          <p:cNvSpPr>
+            <a:spLocks noGrp="1"/>
+          </p:cNvSpPr>
+          <p:nvPr>
+            <p:ph idx="1"/>
+          </p:nvPr>
+        </p:nvSpPr>
+        <p:spPr>
+          <a:xfrm>
+            <a:off x="457200" y="1600200"/>
+            <a:ext cx="6324600" cy="4525963"/>
+          </a:xfrm>
+        </p:spPr>
+        <p:txBody>
+          <a:bodyPr/>
+          <a:lstStyle/>
+          <a:p>
+            <a:r>
+              <a:rPr lang="en-US" sz="2800" smtClean="0"/>
+              <a:t>Implemented LBP, each pixel compared with its nearest neighbours</a:t>
+            </a:r>
+          </a:p>
+          <a:p>
+            <a:r>
+              <a:rPr lang="en-US" sz="2800" smtClean="0"/>
+              <a:t>Used Euclidean distance to compute histogram distances</a:t>
+            </a:r>
+          </a:p>
+          <a:p>
+            <a:r>
+              <a:rPr lang="en-US" sz="2800" smtClean="0"/>
+              <a:t>Picked the 3 closest images from the database</a:t>
+            </a:r>
+          </a:p>
+        </p:txBody>
+      </p:sp>
+      <p:pic>
+        <p:nvPicPr>
+          <p:cNvPr id="2050" name="Picture 2"/>
+          <p:cNvPicPr>
+            <a:picLocks noChangeAspect="1" noChangeArrowheads="1"/>
+          </p:cNvPicPr>
+          <p:nvPr/>
+        </p:nvPicPr>
+        <p:blipFill>
+          <a:blip r:embed="rId2">
+            <a:extLst>
+              <a:ext uri="{28A0092B-C50C-407E-A947-70E740481C1C}">
+                <a14:useLocalDpi xmlns:a14="http://schemas.microsoft.com/office/drawing/2010/main" val="0"/>
+              </a:ext>
+            </a:extLst>
+          </a:blip>
+          <a:srcRect/>
+          <a:stretch>
+            <a:fillRect/>
+          </a:stretch>
+        </p:blipFill>
+        <p:spPr bwMode="auto">
+          <a:xfrm>
+            <a:off x="6858000" y="1676400"/>
+            <a:ext cx="1809750" cy="1619250"/>
+          </a:xfrm>
+          <a:prstGeom prst="rect">
+            <a:avLst/>
+          </a:prstGeom>
+          <a:noFill/>
+          <a:ln>
+            <a:noFill/>
+          </a:ln>
+          <a:effectLst/>
+          <a:extLst>
+            <a:ext uri="{909E8E84-426E-40DD-AFC4-6F175D3DCCD1}">
+              <a14:hiddenFill xmlns:a14="http://schemas.microsoft.com/office/drawing/2010/main">
+                <a:solidFill>
+                  <a:schemeClr val="accent1"/>
+                </a:solidFill>
+              </a14:hiddenFill>
+            </a:ext>
+            <a:ext uri="{91240B29-F687-4F45-9708-019B960494DF}">
+              <a14:hiddenLine xmlns:a14="http://schemas.microsoft.com/office/drawing/2010/main" w="9525">
+                <a:solidFill>
+                  <a:schemeClr val="tx1"/>
+                </a:solidFill>
+                <a:miter lim="800000"/>
+                <a:headEnd/>
+                <a:tailEnd/>
+              </a14:hiddenLine>
+            </a:ext>
+            <a:ext uri="{AF507438-7753-43E0-B8FC-AC1667EBCBE1}">
+              <a14:hiddenEffects xmlns:a14="http://schemas.microsoft.com/office/drawing/2010/main">
+                <a:effectLst>
+                  <a:outerShdw dist="35921" dir="2700000" algn="ctr" rotWithShape="0">
+                    <a:schemeClr val="bg2"/>
+                  </a:outerShdw>
+                </a:effectLst>
+              </a14:hiddenEffects>
+            </a:ext>
+          </a:extLst>
+        </p:spPr>
+      </p:pic>
+    </p:spTree>
+    <p:extLst>
+      <p:ext uri="{BB962C8B-B14F-4D97-AF65-F5344CB8AC3E}">
+        <p14:creationId xmlns:p14="http://schemas.microsoft.com/office/powerpoint/2010/main" val="2267133711"/>
+      </p:ext>
+    </p:extLst>
+  </p:cSld>
+  <p:clrMapOvr>
+    <a:masterClrMapping/>
+  </p:clrMapOvr>
+</p:sld>
+</file>
+
+<file path=ppt/slides/slide11.xml><?xml version="1.0" encoding="utf-8"?>
+<p:sld xmlns:a="http://schemas.openxmlformats.org/drawingml/2006/main" xmlns:r="http://schemas.openxmlformats.org/officeDocument/2006/relationships" xmlns:p="http://schemas.openxmlformats.org/presentationml/2006/main">
+  <p:cSld>
+    <p:spTree>
+      <p:nvGrpSpPr>
+        <p:cNvPr id="1" name=""/>
+        <p:cNvGrpSpPr/>
+        <p:nvPr/>
+      </p:nvGrpSpPr>
+      <p:grpSpPr>
+        <a:xfrm>
+          <a:off x="0" y="0"/>
+          <a:ext cx="0" cy="0"/>
+          <a:chOff x="0" y="0"/>
+          <a:chExt cx="0" cy="0"/>
+        </a:xfrm>
+      </p:grpSpPr>
+      <p:sp>
+        <p:nvSpPr>
+          <p:cNvPr id="2" name="Title 1"/>
+          <p:cNvSpPr>
+            <a:spLocks noGrp="1"/>
+          </p:cNvSpPr>
+          <p:nvPr>
+            <p:ph type="title"/>
+          </p:nvPr>
+        </p:nvSpPr>
+        <p:spPr/>
+        <p:txBody>
+          <a:bodyPr/>
+          <a:lstStyle/>
+          <a:p>
+            <a:r>
+              <a:rPr lang="en-US" smtClean="0"/>
               <a:t>Dataset</a:t>
             </a:r>
             <a:endParaRPr lang="en-US"/>
@@ -3574,11 +3731,11 @@
           <a:p>
             <a:r>
               <a:rPr lang="en-US" sz="2800" smtClean="0"/>
-              <a:t>Subset </a:t>
+              <a:t>Frontal </a:t>
             </a:r>
             <a:r>
               <a:rPr lang="en-US" sz="2800"/>
-              <a:t>of the Frontal Face Dataset provided by Caltech </a:t>
+              <a:t>Face Dataset provided by Caltech </a:t>
             </a:r>
           </a:p>
           <a:p>
@@ -3673,8 +3830,16 @@
           <a:lstStyle/>
           <a:p>
             <a:r>
+              <a:rPr lang="en-US" sz="2800" smtClean="0"/>
+              <a:t>442</a:t>
+            </a:r>
+            <a:r>
+              <a:rPr lang="en-US" sz="2800" smtClean="0"/>
+              <a:t> </a:t>
+            </a:r>
+            <a:r>
               <a:rPr lang="en-US" sz="2800"/>
-              <a:t>54 images, 17 people, 896 x 592 pixels, under different lighting/expressions/backgrounds</a:t>
+              <a:t>images, 17 people, 896 x 592 pixels, under different lighting/expressions/backgrounds</a:t>
             </a:r>
           </a:p>
           <a:p>
@@ -3695,7 +3860,7 @@
 </p:sld>
 </file>
 
-<file path=ppt/slides/slide11.xml><?xml version="1.0" encoding="utf-8"?>
+<file path=ppt/slides/slide12.xml><?xml version="1.0" encoding="utf-8"?>
 <p:sld xmlns:a="http://schemas.openxmlformats.org/drawingml/2006/main" xmlns:r="http://schemas.openxmlformats.org/officeDocument/2006/relationships" xmlns:p="http://schemas.openxmlformats.org/presentationml/2006/main">
   <p:cSld>
     <p:spTree>
@@ -3764,11 +3929,7 @@
             </a:r>
             <a:r>
               <a:rPr lang="en-US" sz="1400"/>
-              <a:t>, vol. 28, no. 4, pp. 509-512, </a:t>
-            </a:r>
-            <a:r>
-              <a:rPr lang="en-US" sz="1400"/>
-              <a:t>July </a:t>
+              <a:t>, vol. 28, no. 4, pp. 509-512, July </a:t>
             </a:r>
             <a:r>
               <a:rPr lang="en-US" sz="1400" smtClean="0"/>
@@ -3790,11 +3951,7 @@
             </a:r>
             <a:r>
               <a:rPr lang="en-US" sz="1400"/>
-              <a:t>, Jerusalem, Israel, 1994, pp. 582-585 </a:t>
-            </a:r>
-            <a:r>
-              <a:rPr lang="en-US" sz="1400"/>
-              <a:t>vol.1</a:t>
+              <a:t>, Jerusalem, Israel, 1994, pp. 582-585 vol.1</a:t>
             </a:r>
             <a:r>
               <a:rPr lang="en-US" sz="1400" smtClean="0"/>
@@ -3810,13 +3967,7 @@
               <a:rPr lang="en-US" sz="1400">
                 <a:hlinkClick r:id="rId2"/>
               </a:rPr>
-              <a:t>https</a:t>
-            </a:r>
-            <a:r>
-              <a:rPr lang="en-US" sz="1400">
-                <a:hlinkClick r:id="rId2"/>
-              </a:rPr>
-              <a:t>://</a:t>
+              <a:t>https://</a:t>
             </a:r>
             <a:r>
               <a:rPr lang="en-US" sz="1400" smtClean="0">
@@ -3841,7 +3992,81 @@
             </a:r>
             <a:r>
               <a:rPr lang="en-US" sz="1400"/>
-              <a:t> Computer Vision - ECCV 2004 (2004), 469–481.</a:t>
+              <a:t> Computer Vision - ECCV 2004 (2004), 469–481</a:t>
+            </a:r>
+            <a:r>
+              <a:rPr lang="en-US" sz="1400" smtClean="0"/>
+              <a:t>.</a:t>
+            </a:r>
+          </a:p>
+          <a:p>
+            <a:r>
+              <a:rPr lang="en-US" sz="1400" smtClean="0"/>
+              <a:t>[5] N</a:t>
+            </a:r>
+            <a:r>
+              <a:rPr lang="en-US" sz="1400"/>
+              <a:t>. Stekas and D. v. d. Heuvel, "Face Recognition Using Local Binary Patterns Histograms (LBPH) on an FPGA-Based System on Chip (SoC)," </a:t>
+            </a:r>
+            <a:r>
+              <a:rPr lang="en-US" sz="1400" i="1"/>
+              <a:t>2016 IEEE International Parallel and Distributed Processing Symposium Workshops (IPDPSW)</a:t>
+            </a:r>
+            <a:r>
+              <a:rPr lang="en-US" sz="1400"/>
+              <a:t>, Chicago, IL, 2016, pp. </a:t>
+            </a:r>
+            <a:r>
+              <a:rPr lang="en-US" sz="1400"/>
+              <a:t>300-304</a:t>
+            </a:r>
+            <a:r>
+              <a:rPr lang="en-US" sz="1400" smtClean="0"/>
+              <a:t>.</a:t>
+            </a:r>
+          </a:p>
+          <a:p>
+            <a:r>
+              <a:rPr lang="en-US" sz="1400" smtClean="0"/>
+              <a:t>[6] </a:t>
+            </a:r>
+            <a:r>
+              <a:rPr lang="en-US" sz="1400"/>
+              <a:t>X. Zhao and C. Wei, "A real-time face recognition system based on the improved LBPH algorithm," </a:t>
+            </a:r>
+            <a:r>
+              <a:rPr lang="en-US" sz="1400" i="1"/>
+              <a:t>2017 IEEE 2nd International Conference on Signal and Image Processing (ICSIP)</a:t>
+            </a:r>
+            <a:r>
+              <a:rPr lang="en-US" sz="1400"/>
+              <a:t>, Singapore, 2017, pp. </a:t>
+            </a:r>
+            <a:r>
+              <a:rPr lang="en-US" sz="1400"/>
+              <a:t>72-76</a:t>
+            </a:r>
+            <a:r>
+              <a:rPr lang="en-US" sz="1400" smtClean="0"/>
+              <a:t>.</a:t>
+            </a:r>
+          </a:p>
+          <a:p>
+            <a:r>
+              <a:rPr lang="en-US" sz="1400" smtClean="0"/>
+              <a:t>[7] G</a:t>
+            </a:r>
+            <a:r>
+              <a:rPr lang="en-US" sz="1400"/>
+              <a:t>. Hassan and K. Elgazzar, "The case of face recognition on mobile devices," </a:t>
+            </a:r>
+            <a:r>
+              <a:rPr lang="en-US" sz="1400" i="1"/>
+              <a:t>2016 IEEE Wireless Communications and Networking Conference</a:t>
+            </a:r>
+            <a:r>
+              <a:rPr lang="en-US" sz="1400"/>
+              <a:t>, Doha, 2016, pp. 1-6.</a:t>
             </a:r>
             <a:endParaRPr lang="en-US" sz="1400"/>
           </a:p>
@@ -4010,13 +4235,8 @@
           <a:p>
             <a:r>
               <a:rPr lang="en-US" smtClean="0"/>
-              <a:t>First described in the </a:t>
-            </a:r>
-            <a:r>
-              <a:rPr lang="en-US" smtClean="0"/>
-              <a:t>90’s [1][2]</a:t>
-            </a:r>
-            <a:endParaRPr lang="en-US" smtClean="0"/>
+              <a:t>First described in the 90’s [1][2]</a:t>
+            </a:r>
           </a:p>
           <a:p>
             <a:r>
@@ -5223,7 +5443,7 @@
           <a:p>
             <a:r>
               <a:rPr lang="en-US" smtClean="0"/>
-              <a:t>Practical application</a:t>
+              <a:t>Latest research</a:t>
             </a:r>
             <a:endParaRPr lang="en-US"/>
           </a:p>
@@ -5239,103 +5459,35 @@
             <p:ph idx="1"/>
           </p:nvPr>
         </p:nvSpPr>
-        <p:spPr>
-          <a:xfrm>
-            <a:off x="457200" y="1600200"/>
-            <a:ext cx="6324600" cy="4525963"/>
-          </a:xfrm>
-        </p:spPr>
+        <p:spPr/>
         <p:txBody>
           <a:bodyPr/>
           <a:lstStyle/>
           <a:p>
             <a:r>
               <a:rPr lang="en-US" sz="2800" smtClean="0"/>
-              <a:t>Implemented LBP, each pixel compared with its nearest neighbours</a:t>
+              <a:t>Implementation on a SoC (Zync-7030); 8.6ms time with 79% accuracy [5]</a:t>
             </a:r>
           </a:p>
           <a:p>
             <a:r>
               <a:rPr lang="en-US" sz="2800" smtClean="0"/>
-              <a:t>Used Euclidean distance to compute histogram distances</a:t>
+              <a:t>Median LBPH, replaces all pixels with neighbourhood gray median, to deal with varying illumination; accuracy increase by 4% [6]</a:t>
             </a:r>
           </a:p>
           <a:p>
             <a:r>
               <a:rPr lang="en-US" sz="2800" smtClean="0"/>
-              <a:t>Picked the 3 closest images from the database</a:t>
-            </a:r>
-          </a:p>
-        </p:txBody>
-      </p:sp>
-      <p:pic>
-        <p:nvPicPr>
-          <p:cNvPr id="2050" name="Picture 2"/>
-          <p:cNvPicPr>
-            <a:picLocks noChangeAspect="1" noChangeArrowheads="1"/>
-          </p:cNvPicPr>
-          <p:nvPr/>
-        </p:nvPicPr>
-        <p:blipFill>
-          <a:blip r:embed="rId2">
-            <a:extLst>
-              <a:ext uri="{28A0092B-C50C-407E-A947-70E740481C1C}">
-                <a14:useLocalDpi xmlns:a14="http://schemas.microsoft.com/office/drawing/2010/main" val="0"/>
-              </a:ext>
-            </a:extLst>
-          </a:blip>
-          <a:srcRect/>
-          <a:stretch>
-            <a:fillRect/>
-          </a:stretch>
-        </p:blipFill>
-        <p:spPr bwMode="auto">
-          <a:xfrm>
-            <a:off x="6858000" y="1676400"/>
-            <a:ext cx="1809750" cy="1619250"/>
-          </a:xfrm>
-          <a:prstGeom prst="rect">
-            <a:avLst/>
-          </a:prstGeom>
-          <a:noFill/>
-          <a:ln>
-            <a:noFill/>
-          </a:ln>
-          <a:effectLst/>
-          <a:extLst>
-            <a:ext uri="{909E8E84-426E-40DD-AFC4-6F175D3DCCD1}">
-              <a14:hiddenFill xmlns:a14="http://schemas.microsoft.com/office/drawing/2010/main">
-                <a:solidFill>
-                  <a:schemeClr val="accent1"/>
-                </a:solidFill>
-              </a14:hiddenFill>
-            </a:ext>
-            <a:ext uri="{91240B29-F687-4F45-9708-019B960494DF}">
-              <a14:hiddenLine xmlns:a14="http://schemas.microsoft.com/office/drawing/2010/main" w="9525">
-                <a:solidFill>
-                  <a:schemeClr val="tx1"/>
-                </a:solidFill>
-                <a:miter lim="800000"/>
-                <a:headEnd/>
-                <a:tailEnd/>
-              </a14:hiddenLine>
-            </a:ext>
-            <a:ext uri="{AF507438-7753-43E0-B8FC-AC1667EBCBE1}">
-              <a14:hiddenEffects xmlns:a14="http://schemas.microsoft.com/office/drawing/2010/main">
-                <a:effectLst>
-                  <a:outerShdw dist="35921" dir="2700000" algn="ctr" rotWithShape="0">
-                    <a:schemeClr val="bg2"/>
-                  </a:outerShdw>
-                </a:effectLst>
-              </a14:hiddenEffects>
-            </a:ext>
-          </a:extLst>
-        </p:spPr>
-      </p:pic>
+              <a:t>Mobile app with computational offloading on a cloud server; uses Haar detector and sends a cropped/resized face to the server[7]</a:t>
+            </a:r>
+            <a:endParaRPr lang="en-US" sz="2800"/>
+          </a:p>
+        </p:txBody>
+      </p:sp>
     </p:spTree>
     <p:extLst>
       <p:ext uri="{BB962C8B-B14F-4D97-AF65-F5344CB8AC3E}">
-        <p14:creationId xmlns:p14="http://schemas.microsoft.com/office/powerpoint/2010/main" val="2267133711"/>
+        <p14:creationId xmlns:p14="http://schemas.microsoft.com/office/powerpoint/2010/main" val="2810277596"/>
       </p:ext>
     </p:extLst>
   </p:cSld>
